--- a/artefacts/CNTT_diagrams.pptx
+++ b/artefacts/CNTT_diagrams.pptx
@@ -6,7 +6,7 @@
     <p:sldMasterId id="2147483678" r:id="rId2"/>
   </p:sldMasterIdLst>
   <p:notesMasterIdLst>
-    <p:notesMasterId r:id="rId22"/>
+    <p:notesMasterId r:id="rId23"/>
   </p:notesMasterIdLst>
   <p:sldIdLst>
     <p:sldId id="256" r:id="rId3"/>
@@ -27,7 +27,8 @@
     <p:sldId id="275" r:id="rId18"/>
     <p:sldId id="277" r:id="rId19"/>
     <p:sldId id="280" r:id="rId20"/>
-    <p:sldId id="257" r:id="rId21"/>
+    <p:sldId id="282" r:id="rId21"/>
+    <p:sldId id="257" r:id="rId22"/>
   </p:sldIdLst>
   <p:sldSz cx="12192000" cy="6858000"/>
   <p:notesSz cx="6858000" cy="9144000"/>
@@ -216,7 +217,7 @@
           <a:p>
             <a:fld id="{F300692A-B8F2-48F6-B218-A4958D7E8758}" type="datetimeFigureOut">
               <a:rPr lang="en-US" smtClean="0"/>
-              <a:t>7/15/19</a:t>
+              <a:t>9/16/19</a:t>
             </a:fld>
             <a:endParaRPr lang="en-US"/>
           </a:p>
@@ -926,7 +927,7 @@
           <a:p>
             <a:fld id="{2B25DCB4-1894-45C1-AC80-BB1CC7AB7AF3}" type="datetimeFigureOut">
               <a:rPr lang="en-GB" smtClean="0"/>
-              <a:t>15/07/2019</a:t>
+              <a:t>16/09/2019</a:t>
             </a:fld>
             <a:endParaRPr lang="en-GB"/>
           </a:p>
@@ -1362,7 +1363,7 @@
           <a:p>
             <a:fld id="{2B25DCB4-1894-45C1-AC80-BB1CC7AB7AF3}" type="datetimeFigureOut">
               <a:rPr lang="en-GB" smtClean="0"/>
-              <a:t>15/07/2019</a:t>
+              <a:t>16/09/2019</a:t>
             </a:fld>
             <a:endParaRPr lang="en-GB"/>
           </a:p>
@@ -1612,7 +1613,7 @@
           <a:p>
             <a:fld id="{2B25DCB4-1894-45C1-AC80-BB1CC7AB7AF3}" type="datetimeFigureOut">
               <a:rPr lang="en-GB" smtClean="0"/>
-              <a:t>15/07/2019</a:t>
+              <a:t>16/09/2019</a:t>
             </a:fld>
             <a:endParaRPr lang="en-GB"/>
           </a:p>
@@ -1920,7 +1921,7 @@
           <a:p>
             <a:fld id="{2B25DCB4-1894-45C1-AC80-BB1CC7AB7AF3}" type="datetimeFigureOut">
               <a:rPr lang="en-GB" smtClean="0"/>
-              <a:t>15/07/2019</a:t>
+              <a:t>16/09/2019</a:t>
             </a:fld>
             <a:endParaRPr lang="en-GB"/>
           </a:p>
@@ -2238,7 +2239,7 @@
           <a:p>
             <a:fld id="{2B25DCB4-1894-45C1-AC80-BB1CC7AB7AF3}" type="datetimeFigureOut">
               <a:rPr lang="en-GB" smtClean="0"/>
-              <a:t>15/07/2019</a:t>
+              <a:t>16/09/2019</a:t>
             </a:fld>
             <a:endParaRPr lang="en-GB"/>
           </a:p>
@@ -2540,7 +2541,7 @@
           <a:p>
             <a:fld id="{2B25DCB4-1894-45C1-AC80-BB1CC7AB7AF3}" type="datetimeFigureOut">
               <a:rPr lang="en-GB" smtClean="0"/>
-              <a:t>15/07/2019</a:t>
+              <a:t>16/09/2019</a:t>
             </a:fld>
             <a:endParaRPr lang="en-GB"/>
           </a:p>
@@ -2907,7 +2908,7 @@
           <a:p>
             <a:fld id="{2B25DCB4-1894-45C1-AC80-BB1CC7AB7AF3}" type="datetimeFigureOut">
               <a:rPr lang="en-GB" smtClean="0"/>
-              <a:t>15/07/2019</a:t>
+              <a:t>16/09/2019</a:t>
             </a:fld>
             <a:endParaRPr lang="en-GB"/>
           </a:p>
@@ -3081,7 +3082,7 @@
           <a:p>
             <a:fld id="{2B25DCB4-1894-45C1-AC80-BB1CC7AB7AF3}" type="datetimeFigureOut">
               <a:rPr lang="en-GB" smtClean="0"/>
-              <a:t>15/07/2019</a:t>
+              <a:t>16/09/2019</a:t>
             </a:fld>
             <a:endParaRPr lang="en-GB"/>
           </a:p>
@@ -3261,7 +3262,7 @@
           <a:p>
             <a:fld id="{2B25DCB4-1894-45C1-AC80-BB1CC7AB7AF3}" type="datetimeFigureOut">
               <a:rPr lang="en-GB" smtClean="0"/>
-              <a:t>15/07/2019</a:t>
+              <a:t>16/09/2019</a:t>
             </a:fld>
             <a:endParaRPr lang="en-GB"/>
           </a:p>
@@ -3453,7 +3454,7 @@
           <a:p>
             <a:fld id="{432668E7-1494-4367-8917-840B541A68C2}" type="datetimeFigureOut">
               <a:rPr lang="en-GB" smtClean="0"/>
-              <a:t>15/07/2019</a:t>
+              <a:t>16/09/2019</a:t>
             </a:fld>
             <a:endParaRPr lang="en-GB"/>
           </a:p>
@@ -3623,7 +3624,7 @@
           <a:p>
             <a:fld id="{432668E7-1494-4367-8917-840B541A68C2}" type="datetimeFigureOut">
               <a:rPr lang="en-GB" smtClean="0"/>
-              <a:t>15/07/2019</a:t>
+              <a:t>16/09/2019</a:t>
             </a:fld>
             <a:endParaRPr lang="en-GB"/>
           </a:p>
@@ -3793,7 +3794,7 @@
           <a:p>
             <a:fld id="{2B25DCB4-1894-45C1-AC80-BB1CC7AB7AF3}" type="datetimeFigureOut">
               <a:rPr lang="en-GB" smtClean="0"/>
-              <a:t>15/07/2019</a:t>
+              <a:t>16/09/2019</a:t>
             </a:fld>
             <a:endParaRPr lang="en-GB"/>
           </a:p>
@@ -4039,7 +4040,7 @@
           <a:p>
             <a:fld id="{432668E7-1494-4367-8917-840B541A68C2}" type="datetimeFigureOut">
               <a:rPr lang="en-GB" smtClean="0"/>
-              <a:t>15/07/2019</a:t>
+              <a:t>16/09/2019</a:t>
             </a:fld>
             <a:endParaRPr lang="en-GB"/>
           </a:p>
@@ -4271,7 +4272,7 @@
           <a:p>
             <a:fld id="{432668E7-1494-4367-8917-840B541A68C2}" type="datetimeFigureOut">
               <a:rPr lang="en-GB" smtClean="0"/>
-              <a:t>15/07/2019</a:t>
+              <a:t>16/09/2019</a:t>
             </a:fld>
             <a:endParaRPr lang="en-GB"/>
           </a:p>
@@ -4638,7 +4639,7 @@
           <a:p>
             <a:fld id="{432668E7-1494-4367-8917-840B541A68C2}" type="datetimeFigureOut">
               <a:rPr lang="en-GB" smtClean="0"/>
-              <a:t>15/07/2019</a:t>
+              <a:t>16/09/2019</a:t>
             </a:fld>
             <a:endParaRPr lang="en-GB"/>
           </a:p>
@@ -4756,7 +4757,7 @@
           <a:p>
             <a:fld id="{432668E7-1494-4367-8917-840B541A68C2}" type="datetimeFigureOut">
               <a:rPr lang="en-GB" smtClean="0"/>
-              <a:t>15/07/2019</a:t>
+              <a:t>16/09/2019</a:t>
             </a:fld>
             <a:endParaRPr lang="en-GB"/>
           </a:p>
@@ -4851,7 +4852,7 @@
           <a:p>
             <a:fld id="{432668E7-1494-4367-8917-840B541A68C2}" type="datetimeFigureOut">
               <a:rPr lang="en-GB" smtClean="0"/>
-              <a:t>15/07/2019</a:t>
+              <a:t>16/09/2019</a:t>
             </a:fld>
             <a:endParaRPr lang="en-GB"/>
           </a:p>
@@ -5128,7 +5129,7 @@
           <a:p>
             <a:fld id="{432668E7-1494-4367-8917-840B541A68C2}" type="datetimeFigureOut">
               <a:rPr lang="en-GB" smtClean="0"/>
-              <a:t>15/07/2019</a:t>
+              <a:t>16/09/2019</a:t>
             </a:fld>
             <a:endParaRPr lang="en-GB"/>
           </a:p>
@@ -5381,7 +5382,7 @@
           <a:p>
             <a:fld id="{432668E7-1494-4367-8917-840B541A68C2}" type="datetimeFigureOut">
               <a:rPr lang="en-GB" smtClean="0"/>
-              <a:t>15/07/2019</a:t>
+              <a:t>16/09/2019</a:t>
             </a:fld>
             <a:endParaRPr lang="en-GB"/>
           </a:p>
@@ -5551,7 +5552,7 @@
           <a:p>
             <a:fld id="{432668E7-1494-4367-8917-840B541A68C2}" type="datetimeFigureOut">
               <a:rPr lang="en-GB" smtClean="0"/>
-              <a:t>15/07/2019</a:t>
+              <a:t>16/09/2019</a:t>
             </a:fld>
             <a:endParaRPr lang="en-GB"/>
           </a:p>
@@ -5731,7 +5732,7 @@
           <a:p>
             <a:fld id="{432668E7-1494-4367-8917-840B541A68C2}" type="datetimeFigureOut">
               <a:rPr lang="en-GB" smtClean="0"/>
-              <a:t>15/07/2019</a:t>
+              <a:t>16/09/2019</a:t>
             </a:fld>
             <a:endParaRPr lang="en-GB"/>
           </a:p>
@@ -5854,7 +5855,7 @@
           <a:p>
             <a:fld id="{AD47607F-D0CB-4AC6-9566-046428C59115}" type="datetime3">
               <a:rPr lang="en-US" smtClean="0"/>
-              <a:t>15 July 2019</a:t>
+              <a:t>16 September 2019</a:t>
             </a:fld>
             <a:endParaRPr lang="en-GB" dirty="0"/>
           </a:p>
@@ -6177,7 +6178,7 @@
           <a:p>
             <a:fld id="{2B25DCB4-1894-45C1-AC80-BB1CC7AB7AF3}" type="datetimeFigureOut">
               <a:rPr lang="en-GB" smtClean="0"/>
-              <a:t>15/07/2019</a:t>
+              <a:t>16/09/2019</a:t>
             </a:fld>
             <a:endParaRPr lang="en-GB"/>
           </a:p>
@@ -6680,7 +6681,7 @@
           <a:p>
             <a:fld id="{2B25DCB4-1894-45C1-AC80-BB1CC7AB7AF3}" type="datetimeFigureOut">
               <a:rPr lang="en-GB" smtClean="0"/>
-              <a:t>15/07/2019</a:t>
+              <a:t>16/09/2019</a:t>
             </a:fld>
             <a:endParaRPr lang="en-GB"/>
           </a:p>
@@ -7062,7 +7063,7 @@
           <a:p>
             <a:fld id="{2B25DCB4-1894-45C1-AC80-BB1CC7AB7AF3}" type="datetimeFigureOut">
               <a:rPr lang="en-GB" smtClean="0"/>
-              <a:t>15/07/2019</a:t>
+              <a:t>16/09/2019</a:t>
             </a:fld>
             <a:endParaRPr lang="en-GB"/>
           </a:p>
@@ -7180,7 +7181,7 @@
           <a:p>
             <a:fld id="{2B25DCB4-1894-45C1-AC80-BB1CC7AB7AF3}" type="datetimeFigureOut">
               <a:rPr lang="en-GB" smtClean="0"/>
-              <a:t>15/07/2019</a:t>
+              <a:t>16/09/2019</a:t>
             </a:fld>
             <a:endParaRPr lang="en-GB"/>
           </a:p>
@@ -7275,7 +7276,7 @@
           <a:p>
             <a:fld id="{2B25DCB4-1894-45C1-AC80-BB1CC7AB7AF3}" type="datetimeFigureOut">
               <a:rPr lang="en-GB" smtClean="0"/>
-              <a:t>15/07/2019</a:t>
+              <a:t>16/09/2019</a:t>
             </a:fld>
             <a:endParaRPr lang="en-GB"/>
           </a:p>
@@ -7530,7 +7531,7 @@
           <a:p>
             <a:fld id="{2B25DCB4-1894-45C1-AC80-BB1CC7AB7AF3}" type="datetimeFigureOut">
               <a:rPr lang="en-GB" smtClean="0"/>
-              <a:t>15/07/2019</a:t>
+              <a:t>16/09/2019</a:t>
             </a:fld>
             <a:endParaRPr lang="en-GB"/>
           </a:p>
@@ -7813,7 +7814,7 @@
           <a:p>
             <a:fld id="{2B25DCB4-1894-45C1-AC80-BB1CC7AB7AF3}" type="datetimeFigureOut">
               <a:rPr lang="en-GB" smtClean="0"/>
-              <a:t>15/07/2019</a:t>
+              <a:t>16/09/2019</a:t>
             </a:fld>
             <a:endParaRPr lang="en-GB"/>
           </a:p>
@@ -8219,7 +8220,7 @@
           <a:p>
             <a:fld id="{2B25DCB4-1894-45C1-AC80-BB1CC7AB7AF3}" type="datetimeFigureOut">
               <a:rPr lang="en-GB" smtClean="0"/>
-              <a:t>15/07/2019</a:t>
+              <a:t>16/09/2019</a:t>
             </a:fld>
             <a:endParaRPr lang="en-GB"/>
           </a:p>
@@ -8304,48 +8305,6 @@
               <a:t>‹#›</a:t>
             </a:fld>
             <a:endParaRPr lang="en-GB"/>
-          </a:p>
-        </p:txBody>
-      </p:sp>
-      <p:sp>
-        <p:nvSpPr>
-          <p:cNvPr id="13" name="MSIPCMContentMarking" descr="{&quot;HashCode&quot;:-1699574231,&quot;Placement&quot;:&quot;Footer&quot;}"/>
-          <p:cNvSpPr txBox="1"/>
-          <p:nvPr userDrawn="1"/>
-        </p:nvSpPr>
-        <p:spPr>
-          <a:xfrm>
-            <a:off x="0" y="6646927"/>
-            <a:ext cx="619703" cy="211073"/>
-          </a:xfrm>
-          <a:prstGeom prst="rect">
-            <a:avLst/>
-          </a:prstGeom>
-          <a:noFill/>
-        </p:spPr>
-        <p:txBody>
-          <a:bodyPr vert="horz" wrap="square" lIns="0" tIns="0" rIns="0" bIns="0" rtlCol="0" anchor="ctr" anchorCtr="1">
-            <a:spAutoFit/>
-          </a:bodyPr>
-          <a:lstStyle/>
-          <a:p>
-            <a:pPr algn="l">
-              <a:spcBef>
-                <a:spcPts val="0"/>
-              </a:spcBef>
-              <a:spcAft>
-                <a:spcPts val="0"/>
-              </a:spcAft>
-            </a:pPr>
-            <a:r>
-              <a:rPr lang="en-GB" sz="700">
-                <a:solidFill>
-                  <a:srgbClr val="000000"/>
-                </a:solidFill>
-                <a:latin typeface="Calibri" panose="020F0502020204030204" pitchFamily="34" charset="0"/>
-              </a:rPr>
-              <a:t>C2 General</a:t>
-            </a:r>
           </a:p>
         </p:txBody>
       </p:sp>
@@ -8931,7 +8890,7 @@
           <a:p>
             <a:fld id="{432668E7-1494-4367-8917-840B541A68C2}" type="datetimeFigureOut">
               <a:rPr lang="en-GB" smtClean="0"/>
-              <a:t>15/07/2019</a:t>
+              <a:t>16/09/2019</a:t>
             </a:fld>
             <a:endParaRPr lang="en-GB"/>
           </a:p>
@@ -9012,48 +8971,6 @@
               <a:t>‹#›</a:t>
             </a:fld>
             <a:endParaRPr lang="en-GB"/>
-          </a:p>
-        </p:txBody>
-      </p:sp>
-      <p:sp>
-        <p:nvSpPr>
-          <p:cNvPr id="7" name="MSIPCMContentMarking" descr="{&quot;HashCode&quot;:-1699574231,&quot;Placement&quot;:&quot;Footer&quot;}"/>
-          <p:cNvSpPr txBox="1"/>
-          <p:nvPr userDrawn="1"/>
-        </p:nvSpPr>
-        <p:spPr>
-          <a:xfrm>
-            <a:off x="0" y="6646927"/>
-            <a:ext cx="619703" cy="211073"/>
-          </a:xfrm>
-          <a:prstGeom prst="rect">
-            <a:avLst/>
-          </a:prstGeom>
-          <a:noFill/>
-        </p:spPr>
-        <p:txBody>
-          <a:bodyPr vert="horz" wrap="square" lIns="0" tIns="0" rIns="0" bIns="0" rtlCol="0" anchor="ctr" anchorCtr="1">
-            <a:spAutoFit/>
-          </a:bodyPr>
-          <a:lstStyle/>
-          <a:p>
-            <a:pPr algn="l">
-              <a:spcBef>
-                <a:spcPts val="0"/>
-              </a:spcBef>
-              <a:spcAft>
-                <a:spcPts val="0"/>
-              </a:spcAft>
-            </a:pPr>
-            <a:r>
-              <a:rPr lang="en-GB" sz="700">
-                <a:solidFill>
-                  <a:srgbClr val="000000"/>
-                </a:solidFill>
-                <a:latin typeface="Calibri" panose="020F0502020204030204" pitchFamily="34" charset="0"/>
-              </a:rPr>
-              <a:t>C2 General</a:t>
-            </a:r>
           </a:p>
         </p:txBody>
       </p:sp>
@@ -25747,51 +25664,851 @@
           <a:chExt cx="0" cy="0"/>
         </a:xfrm>
       </p:grpSpPr>
-      <p:sp>
-        <p:nvSpPr>
-          <p:cNvPr id="4" name="Title 3"/>
-          <p:cNvSpPr>
-            <a:spLocks noGrp="1"/>
-          </p:cNvSpPr>
-          <p:nvPr>
-            <p:ph type="ctrTitle"/>
-          </p:nvPr>
-        </p:nvSpPr>
-        <p:spPr/>
-        <p:txBody>
-          <a:bodyPr/>
-          <a:lstStyle/>
-          <a:p>
-            <a:r>
-              <a:rPr lang="en-GB" dirty="0"/>
-              <a:t>Thank you</a:t>
-            </a:r>
-          </a:p>
-        </p:txBody>
-      </p:sp>
-      <p:sp>
-        <p:nvSpPr>
-          <p:cNvPr id="2" name="Subtitle 1"/>
-          <p:cNvSpPr>
-            <a:spLocks noGrp="1"/>
-          </p:cNvSpPr>
-          <p:nvPr>
-            <p:ph type="subTitle" idx="1"/>
-          </p:nvPr>
-        </p:nvSpPr>
-        <p:spPr/>
-        <p:txBody>
-          <a:bodyPr/>
-          <a:lstStyle/>
-          <a:p>
-            <a:endParaRPr lang="en-GB"/>
-          </a:p>
-        </p:txBody>
-      </p:sp>
+      <p:grpSp>
+        <p:nvGrpSpPr>
+          <p:cNvPr id="4" name="Group 3">
+            <a:extLst>
+              <a:ext uri="{FF2B5EF4-FFF2-40B4-BE49-F238E27FC236}">
+                <a16:creationId xmlns:a16="http://schemas.microsoft.com/office/drawing/2014/main" id="{479E6D01-326F-7842-9C0E-13311DC1D3B3}"/>
+              </a:ext>
+            </a:extLst>
+          </p:cNvPr>
+          <p:cNvGrpSpPr>
+            <a:grpSpLocks noChangeAspect="1"/>
+          </p:cNvGrpSpPr>
+          <p:nvPr/>
+        </p:nvGrpSpPr>
+        <p:grpSpPr>
+          <a:xfrm>
+            <a:off x="0" y="0"/>
+            <a:ext cx="12153616" cy="6858000"/>
+            <a:chOff x="1263720" y="1262009"/>
+            <a:chExt cx="9337497" cy="5268930"/>
+          </a:xfrm>
+        </p:grpSpPr>
+        <p:sp>
+          <p:nvSpPr>
+            <p:cNvPr id="5" name="Snip Single Corner of Rectangle 4">
+              <a:extLst>
+                <a:ext uri="{FF2B5EF4-FFF2-40B4-BE49-F238E27FC236}">
+                  <a16:creationId xmlns:a16="http://schemas.microsoft.com/office/drawing/2014/main" id="{959CC0A6-B464-484D-9653-253AF48D77E9}"/>
+                </a:ext>
+              </a:extLst>
+            </p:cNvPr>
+            <p:cNvSpPr/>
+            <p:nvPr/>
+          </p:nvSpPr>
+          <p:spPr>
+            <a:xfrm>
+              <a:off x="1263720" y="1262009"/>
+              <a:ext cx="1972639" cy="1489753"/>
+            </a:xfrm>
+            <a:prstGeom prst="snip1Rect">
+              <a:avLst/>
+            </a:prstGeom>
+          </p:spPr>
+          <p:style>
+            <a:lnRef idx="2">
+              <a:schemeClr val="dk1"/>
+            </a:lnRef>
+            <a:fillRef idx="1">
+              <a:schemeClr val="lt1"/>
+            </a:fillRef>
+            <a:effectRef idx="0">
+              <a:schemeClr val="dk1"/>
+            </a:effectRef>
+            <a:fontRef idx="minor">
+              <a:schemeClr val="dk1"/>
+            </a:fontRef>
+          </p:style>
+          <p:txBody>
+            <a:bodyPr rtlCol="0" anchor="t"/>
+            <a:lstStyle/>
+            <a:p>
+              <a:r>
+                <a:rPr lang="en-GB" dirty="0"/>
+                <a:t>Desired State</a:t>
+              </a:r>
+            </a:p>
+            <a:p>
+              <a:endParaRPr lang="en-GB" dirty="0"/>
+            </a:p>
+            <a:p>
+              <a:r>
+                <a:rPr lang="en-GB" sz="1200" dirty="0">
+                  <a:latin typeface="Courier New" panose="02070309020205020404" pitchFamily="49" charset="0"/>
+                  <a:cs typeface="Courier New" panose="02070309020205020404" pitchFamily="49" charset="0"/>
+                </a:rPr>
+                <a:t>Attribute1: value1</a:t>
+              </a:r>
+            </a:p>
+            <a:p>
+              <a:r>
+                <a:rPr lang="en-GB" sz="1200" dirty="0">
+                  <a:latin typeface="Courier New" panose="02070309020205020404" pitchFamily="49" charset="0"/>
+                  <a:cs typeface="Courier New" panose="02070309020205020404" pitchFamily="49" charset="0"/>
+                </a:rPr>
+                <a:t>Attribute2: value2</a:t>
+              </a:r>
+            </a:p>
+            <a:p>
+              <a:r>
+                <a:rPr lang="en-GB" sz="1200" dirty="0">
+                  <a:latin typeface="Courier New" panose="02070309020205020404" pitchFamily="49" charset="0"/>
+                  <a:cs typeface="Courier New" panose="02070309020205020404" pitchFamily="49" charset="0"/>
+                </a:rPr>
+                <a:t>Attribute3: value3</a:t>
+              </a:r>
+            </a:p>
+          </p:txBody>
+        </p:sp>
+        <p:sp>
+          <p:nvSpPr>
+            <p:cNvPr id="6" name="Snip Single Corner of Rectangle 5">
+              <a:extLst>
+                <a:ext uri="{FF2B5EF4-FFF2-40B4-BE49-F238E27FC236}">
+                  <a16:creationId xmlns:a16="http://schemas.microsoft.com/office/drawing/2014/main" id="{DF239AA7-BE29-1A4F-B23E-D6E357CFDB5F}"/>
+                </a:ext>
+              </a:extLst>
+            </p:cNvPr>
+            <p:cNvSpPr/>
+            <p:nvPr/>
+          </p:nvSpPr>
+          <p:spPr>
+            <a:xfrm>
+              <a:off x="8628578" y="3300572"/>
+              <a:ext cx="1972639" cy="1489753"/>
+            </a:xfrm>
+            <a:prstGeom prst="snip1Rect">
+              <a:avLst/>
+            </a:prstGeom>
+          </p:spPr>
+          <p:style>
+            <a:lnRef idx="2">
+              <a:schemeClr val="dk1"/>
+            </a:lnRef>
+            <a:fillRef idx="1">
+              <a:schemeClr val="lt1"/>
+            </a:fillRef>
+            <a:effectRef idx="0">
+              <a:schemeClr val="dk1"/>
+            </a:effectRef>
+            <a:fontRef idx="minor">
+              <a:schemeClr val="dk1"/>
+            </a:fontRef>
+          </p:style>
+          <p:txBody>
+            <a:bodyPr rtlCol="0" anchor="t"/>
+            <a:lstStyle/>
+            <a:p>
+              <a:r>
+                <a:rPr lang="en-GB" dirty="0"/>
+                <a:t>Observed State</a:t>
+              </a:r>
+            </a:p>
+            <a:p>
+              <a:endParaRPr lang="en-GB" dirty="0"/>
+            </a:p>
+            <a:p>
+              <a:r>
+                <a:rPr lang="en-GB" sz="1200" dirty="0">
+                  <a:latin typeface="Courier New" panose="02070309020205020404" pitchFamily="49" charset="0"/>
+                  <a:cs typeface="Courier New" panose="02070309020205020404" pitchFamily="49" charset="0"/>
+                </a:rPr>
+                <a:t>Attribute1: value1</a:t>
+              </a:r>
+            </a:p>
+            <a:p>
+              <a:r>
+                <a:rPr lang="en-GB" sz="1200" dirty="0">
+                  <a:latin typeface="Courier New" panose="02070309020205020404" pitchFamily="49" charset="0"/>
+                  <a:cs typeface="Courier New" panose="02070309020205020404" pitchFamily="49" charset="0"/>
+                </a:rPr>
+                <a:t>Attribute2: value2</a:t>
+              </a:r>
+            </a:p>
+            <a:p>
+              <a:r>
+                <a:rPr lang="en-GB" sz="1200" dirty="0">
+                  <a:latin typeface="Courier New" panose="02070309020205020404" pitchFamily="49" charset="0"/>
+                  <a:cs typeface="Courier New" panose="02070309020205020404" pitchFamily="49" charset="0"/>
+                </a:rPr>
+                <a:t>Attribute3: </a:t>
+              </a:r>
+              <a:r>
+                <a:rPr lang="en-GB" sz="1200" b="1" dirty="0">
+                  <a:solidFill>
+                    <a:srgbClr val="FF0000"/>
+                  </a:solidFill>
+                  <a:latin typeface="Courier New" panose="02070309020205020404" pitchFamily="49" charset="0"/>
+                  <a:cs typeface="Courier New" panose="02070309020205020404" pitchFamily="49" charset="0"/>
+                </a:rPr>
+                <a:t>value4</a:t>
+              </a:r>
+            </a:p>
+          </p:txBody>
+        </p:sp>
+        <p:sp>
+          <p:nvSpPr>
+            <p:cNvPr id="7" name="Rectangle 6">
+              <a:extLst>
+                <a:ext uri="{FF2B5EF4-FFF2-40B4-BE49-F238E27FC236}">
+                  <a16:creationId xmlns:a16="http://schemas.microsoft.com/office/drawing/2014/main" id="{B926CD18-63F3-164D-8C3F-D0CBEC8BF345}"/>
+                </a:ext>
+              </a:extLst>
+            </p:cNvPr>
+            <p:cNvSpPr/>
+            <p:nvPr/>
+          </p:nvSpPr>
+          <p:spPr>
+            <a:xfrm>
+              <a:off x="4940157" y="5637087"/>
+              <a:ext cx="2907586" cy="893852"/>
+            </a:xfrm>
+            <a:prstGeom prst="rect">
+              <a:avLst/>
+            </a:prstGeom>
+          </p:spPr>
+          <p:style>
+            <a:lnRef idx="2">
+              <a:schemeClr val="dk1"/>
+            </a:lnRef>
+            <a:fillRef idx="1">
+              <a:schemeClr val="lt1"/>
+            </a:fillRef>
+            <a:effectRef idx="0">
+              <a:schemeClr val="dk1"/>
+            </a:effectRef>
+            <a:fontRef idx="minor">
+              <a:schemeClr val="dk1"/>
+            </a:fontRef>
+          </p:style>
+          <p:txBody>
+            <a:bodyPr rtlCol="0" anchor="ctr"/>
+            <a:lstStyle/>
+            <a:p>
+              <a:pPr algn="ctr"/>
+              <a:r>
+                <a:rPr lang="en-GB" dirty="0"/>
+                <a:t>Infrastructure / Infrastructure Management</a:t>
+              </a:r>
+            </a:p>
+          </p:txBody>
+        </p:sp>
+        <p:sp>
+          <p:nvSpPr>
+            <p:cNvPr id="8" name="Rectangle 7">
+              <a:extLst>
+                <a:ext uri="{FF2B5EF4-FFF2-40B4-BE49-F238E27FC236}">
+                  <a16:creationId xmlns:a16="http://schemas.microsoft.com/office/drawing/2014/main" id="{19A7E911-6A14-0749-880E-F29DE93E9D76}"/>
+                </a:ext>
+              </a:extLst>
+            </p:cNvPr>
+            <p:cNvSpPr/>
+            <p:nvPr/>
+          </p:nvSpPr>
+          <p:spPr>
+            <a:xfrm>
+              <a:off x="4940157" y="1559960"/>
+              <a:ext cx="2907586" cy="893852"/>
+            </a:xfrm>
+            <a:prstGeom prst="rect">
+              <a:avLst/>
+            </a:prstGeom>
+          </p:spPr>
+          <p:style>
+            <a:lnRef idx="2">
+              <a:schemeClr val="dk1"/>
+            </a:lnRef>
+            <a:fillRef idx="1">
+              <a:schemeClr val="lt1"/>
+            </a:fillRef>
+            <a:effectRef idx="0">
+              <a:schemeClr val="dk1"/>
+            </a:effectRef>
+            <a:fontRef idx="minor">
+              <a:schemeClr val="dk1"/>
+            </a:fontRef>
+          </p:style>
+          <p:txBody>
+            <a:bodyPr rtlCol="0" anchor="ctr"/>
+            <a:lstStyle/>
+            <a:p>
+              <a:pPr algn="ctr"/>
+              <a:r>
+                <a:rPr lang="en-GB" dirty="0"/>
+                <a:t>Configuration Management System</a:t>
+              </a:r>
+            </a:p>
+          </p:txBody>
+        </p:sp>
+        <p:cxnSp>
+          <p:nvCxnSpPr>
+            <p:cNvPr id="9" name="Straight Arrow Connector 8">
+              <a:extLst>
+                <a:ext uri="{FF2B5EF4-FFF2-40B4-BE49-F238E27FC236}">
+                  <a16:creationId xmlns:a16="http://schemas.microsoft.com/office/drawing/2014/main" id="{C7B61DBF-6B57-6540-8140-B1651985B91E}"/>
+                </a:ext>
+              </a:extLst>
+            </p:cNvPr>
+            <p:cNvCxnSpPr>
+              <a:cxnSpLocks/>
+              <a:stCxn id="5" idx="0"/>
+              <a:endCxn id="8" idx="1"/>
+            </p:cNvCxnSpPr>
+            <p:nvPr/>
+          </p:nvCxnSpPr>
+          <p:spPr>
+            <a:xfrm>
+              <a:off x="3236359" y="2006886"/>
+              <a:ext cx="1703798" cy="0"/>
+            </a:xfrm>
+            <a:prstGeom prst="straightConnector1">
+              <a:avLst/>
+            </a:prstGeom>
+            <a:ln>
+              <a:tailEnd type="triangle"/>
+            </a:ln>
+          </p:spPr>
+          <p:style>
+            <a:lnRef idx="1">
+              <a:schemeClr val="dk1"/>
+            </a:lnRef>
+            <a:fillRef idx="0">
+              <a:schemeClr val="dk1"/>
+            </a:fillRef>
+            <a:effectRef idx="0">
+              <a:schemeClr val="dk1"/>
+            </a:effectRef>
+            <a:fontRef idx="minor">
+              <a:schemeClr val="tx1"/>
+            </a:fontRef>
+          </p:style>
+        </p:cxnSp>
+        <p:cxnSp>
+          <p:nvCxnSpPr>
+            <p:cNvPr id="10" name="Straight Arrow Connector 9">
+              <a:extLst>
+                <a:ext uri="{FF2B5EF4-FFF2-40B4-BE49-F238E27FC236}">
+                  <a16:creationId xmlns:a16="http://schemas.microsoft.com/office/drawing/2014/main" id="{62A214BE-CEE9-A540-9848-194A52E5201C}"/>
+                </a:ext>
+              </a:extLst>
+            </p:cNvPr>
+            <p:cNvCxnSpPr>
+              <a:cxnSpLocks/>
+            </p:cNvCxnSpPr>
+            <p:nvPr/>
+          </p:nvCxnSpPr>
+          <p:spPr>
+            <a:xfrm>
+              <a:off x="5506948" y="2453811"/>
+              <a:ext cx="0" cy="3183276"/>
+            </a:xfrm>
+            <a:prstGeom prst="straightConnector1">
+              <a:avLst/>
+            </a:prstGeom>
+            <a:ln>
+              <a:tailEnd type="triangle"/>
+            </a:ln>
+          </p:spPr>
+          <p:style>
+            <a:lnRef idx="1">
+              <a:schemeClr val="dk1"/>
+            </a:lnRef>
+            <a:fillRef idx="0">
+              <a:schemeClr val="dk1"/>
+            </a:fillRef>
+            <a:effectRef idx="0">
+              <a:schemeClr val="dk1"/>
+            </a:effectRef>
+            <a:fontRef idx="minor">
+              <a:schemeClr val="tx1"/>
+            </a:fontRef>
+          </p:style>
+        </p:cxnSp>
+        <p:cxnSp>
+          <p:nvCxnSpPr>
+            <p:cNvPr id="11" name="Straight Arrow Connector 10">
+              <a:extLst>
+                <a:ext uri="{FF2B5EF4-FFF2-40B4-BE49-F238E27FC236}">
+                  <a16:creationId xmlns:a16="http://schemas.microsoft.com/office/drawing/2014/main" id="{80D59FBA-F3FA-B74F-B428-3C85A6F6610D}"/>
+                </a:ext>
+              </a:extLst>
+            </p:cNvPr>
+            <p:cNvCxnSpPr>
+              <a:cxnSpLocks/>
+            </p:cNvCxnSpPr>
+            <p:nvPr/>
+          </p:nvCxnSpPr>
+          <p:spPr>
+            <a:xfrm>
+              <a:off x="6393951" y="2453811"/>
+              <a:ext cx="0" cy="3183276"/>
+            </a:xfrm>
+            <a:prstGeom prst="straightConnector1">
+              <a:avLst/>
+            </a:prstGeom>
+            <a:ln>
+              <a:tailEnd type="triangle"/>
+            </a:ln>
+          </p:spPr>
+          <p:style>
+            <a:lnRef idx="1">
+              <a:schemeClr val="dk1"/>
+            </a:lnRef>
+            <a:fillRef idx="0">
+              <a:schemeClr val="dk1"/>
+            </a:fillRef>
+            <a:effectRef idx="0">
+              <a:schemeClr val="dk1"/>
+            </a:effectRef>
+            <a:fontRef idx="minor">
+              <a:schemeClr val="tx1"/>
+            </a:fontRef>
+          </p:style>
+        </p:cxnSp>
+        <p:cxnSp>
+          <p:nvCxnSpPr>
+            <p:cNvPr id="12" name="Straight Arrow Connector 11">
+              <a:extLst>
+                <a:ext uri="{FF2B5EF4-FFF2-40B4-BE49-F238E27FC236}">
+                  <a16:creationId xmlns:a16="http://schemas.microsoft.com/office/drawing/2014/main" id="{99B35601-BBDB-E04C-B266-4295D2BFCF77}"/>
+                </a:ext>
+              </a:extLst>
+            </p:cNvPr>
+            <p:cNvCxnSpPr>
+              <a:cxnSpLocks/>
+              <a:endCxn id="6" idx="2"/>
+            </p:cNvCxnSpPr>
+            <p:nvPr/>
+          </p:nvCxnSpPr>
+          <p:spPr>
+            <a:xfrm flipV="1">
+              <a:off x="7150813" y="4045449"/>
+              <a:ext cx="1477765" cy="1591638"/>
+            </a:xfrm>
+            <a:prstGeom prst="straightConnector1">
+              <a:avLst/>
+            </a:prstGeom>
+            <a:ln>
+              <a:prstDash val="dash"/>
+              <a:tailEnd type="triangle"/>
+            </a:ln>
+          </p:spPr>
+          <p:style>
+            <a:lnRef idx="1">
+              <a:schemeClr val="dk1"/>
+            </a:lnRef>
+            <a:fillRef idx="0">
+              <a:schemeClr val="dk1"/>
+            </a:fillRef>
+            <a:effectRef idx="0">
+              <a:schemeClr val="dk1"/>
+            </a:effectRef>
+            <a:fontRef idx="minor">
+              <a:schemeClr val="tx1"/>
+            </a:fontRef>
+          </p:style>
+        </p:cxnSp>
+        <p:cxnSp>
+          <p:nvCxnSpPr>
+            <p:cNvPr id="13" name="Straight Arrow Connector 12">
+              <a:extLst>
+                <a:ext uri="{FF2B5EF4-FFF2-40B4-BE49-F238E27FC236}">
+                  <a16:creationId xmlns:a16="http://schemas.microsoft.com/office/drawing/2014/main" id="{6E94B890-BFFF-7343-90C3-F43853E62EA2}"/>
+                </a:ext>
+              </a:extLst>
+            </p:cNvPr>
+            <p:cNvCxnSpPr>
+              <a:cxnSpLocks/>
+              <a:stCxn id="6" idx="2"/>
+            </p:cNvCxnSpPr>
+            <p:nvPr/>
+          </p:nvCxnSpPr>
+          <p:spPr>
+            <a:xfrm flipH="1" flipV="1">
+              <a:off x="7150814" y="2453811"/>
+              <a:ext cx="1477764" cy="1591638"/>
+            </a:xfrm>
+            <a:prstGeom prst="straightConnector1">
+              <a:avLst/>
+            </a:prstGeom>
+            <a:ln>
+              <a:prstDash val="dash"/>
+              <a:tailEnd type="triangle"/>
+            </a:ln>
+          </p:spPr>
+          <p:style>
+            <a:lnRef idx="1">
+              <a:schemeClr val="dk1"/>
+            </a:lnRef>
+            <a:fillRef idx="0">
+              <a:schemeClr val="dk1"/>
+            </a:fillRef>
+            <a:effectRef idx="0">
+              <a:schemeClr val="dk1"/>
+            </a:effectRef>
+            <a:fontRef idx="minor">
+              <a:schemeClr val="tx1"/>
+            </a:fontRef>
+          </p:style>
+        </p:cxnSp>
+        <p:sp>
+          <p:nvSpPr>
+            <p:cNvPr id="14" name="Oval 13">
+              <a:extLst>
+                <a:ext uri="{FF2B5EF4-FFF2-40B4-BE49-F238E27FC236}">
+                  <a16:creationId xmlns:a16="http://schemas.microsoft.com/office/drawing/2014/main" id="{DBC72F4C-C1DD-1D4D-B6EE-9F43268C401F}"/>
+                </a:ext>
+              </a:extLst>
+            </p:cNvPr>
+            <p:cNvSpPr>
+              <a:spLocks noChangeAspect="1"/>
+            </p:cNvSpPr>
+            <p:nvPr/>
+          </p:nvSpPr>
+          <p:spPr>
+            <a:xfrm>
+              <a:off x="3908258" y="1826885"/>
+              <a:ext cx="360000" cy="360000"/>
+            </a:xfrm>
+            <a:prstGeom prst="ellipse">
+              <a:avLst/>
+            </a:prstGeom>
+          </p:spPr>
+          <p:style>
+            <a:lnRef idx="2">
+              <a:schemeClr val="dk1"/>
+            </a:lnRef>
+            <a:fillRef idx="1">
+              <a:schemeClr val="lt1"/>
+            </a:fillRef>
+            <a:effectRef idx="0">
+              <a:schemeClr val="dk1"/>
+            </a:effectRef>
+            <a:fontRef idx="minor">
+              <a:schemeClr val="dk1"/>
+            </a:fontRef>
+          </p:style>
+          <p:txBody>
+            <a:bodyPr rtlCol="0" anchor="ctr"/>
+            <a:lstStyle/>
+            <a:p>
+              <a:pPr algn="ctr"/>
+              <a:r>
+                <a:rPr lang="en-GB" dirty="0"/>
+                <a:t>1</a:t>
+              </a:r>
+            </a:p>
+          </p:txBody>
+        </p:sp>
+        <p:sp>
+          <p:nvSpPr>
+            <p:cNvPr id="15" name="Oval 14">
+              <a:extLst>
+                <a:ext uri="{FF2B5EF4-FFF2-40B4-BE49-F238E27FC236}">
+                  <a16:creationId xmlns:a16="http://schemas.microsoft.com/office/drawing/2014/main" id="{497448E4-B2AC-2944-9320-9AA6D7EEC3A8}"/>
+                </a:ext>
+              </a:extLst>
+            </p:cNvPr>
+            <p:cNvSpPr>
+              <a:spLocks noChangeAspect="1"/>
+            </p:cNvSpPr>
+            <p:nvPr/>
+          </p:nvSpPr>
+          <p:spPr>
+            <a:xfrm>
+              <a:off x="5326948" y="3592327"/>
+              <a:ext cx="360000" cy="360000"/>
+            </a:xfrm>
+            <a:prstGeom prst="ellipse">
+              <a:avLst/>
+            </a:prstGeom>
+          </p:spPr>
+          <p:style>
+            <a:lnRef idx="2">
+              <a:schemeClr val="dk1"/>
+            </a:lnRef>
+            <a:fillRef idx="1">
+              <a:schemeClr val="lt1"/>
+            </a:fillRef>
+            <a:effectRef idx="0">
+              <a:schemeClr val="dk1"/>
+            </a:effectRef>
+            <a:fontRef idx="minor">
+              <a:schemeClr val="dk1"/>
+            </a:fontRef>
+          </p:style>
+          <p:txBody>
+            <a:bodyPr rtlCol="0" anchor="ctr"/>
+            <a:lstStyle/>
+            <a:p>
+              <a:pPr algn="ctr"/>
+              <a:r>
+                <a:rPr lang="en-GB" dirty="0"/>
+                <a:t>2</a:t>
+              </a:r>
+            </a:p>
+          </p:txBody>
+        </p:sp>
+        <p:sp>
+          <p:nvSpPr>
+            <p:cNvPr id="16" name="Oval 15">
+              <a:extLst>
+                <a:ext uri="{FF2B5EF4-FFF2-40B4-BE49-F238E27FC236}">
+                  <a16:creationId xmlns:a16="http://schemas.microsoft.com/office/drawing/2014/main" id="{7C6E1E5E-F1B2-1E44-9BA2-6C0C06936B6F}"/>
+                </a:ext>
+              </a:extLst>
+            </p:cNvPr>
+            <p:cNvSpPr>
+              <a:spLocks noChangeAspect="1"/>
+            </p:cNvSpPr>
+            <p:nvPr/>
+          </p:nvSpPr>
+          <p:spPr>
+            <a:xfrm>
+              <a:off x="7777538" y="4601209"/>
+              <a:ext cx="360000" cy="360000"/>
+            </a:xfrm>
+            <a:prstGeom prst="ellipse">
+              <a:avLst/>
+            </a:prstGeom>
+          </p:spPr>
+          <p:style>
+            <a:lnRef idx="2">
+              <a:schemeClr val="dk1"/>
+            </a:lnRef>
+            <a:fillRef idx="1">
+              <a:schemeClr val="lt1"/>
+            </a:fillRef>
+            <a:effectRef idx="0">
+              <a:schemeClr val="dk1"/>
+            </a:effectRef>
+            <a:fontRef idx="minor">
+              <a:schemeClr val="dk1"/>
+            </a:fontRef>
+          </p:style>
+          <p:txBody>
+            <a:bodyPr rtlCol="0" anchor="ctr"/>
+            <a:lstStyle/>
+            <a:p>
+              <a:pPr algn="ctr"/>
+              <a:r>
+                <a:rPr lang="en-GB" dirty="0"/>
+                <a:t>3</a:t>
+              </a:r>
+            </a:p>
+          </p:txBody>
+        </p:sp>
+        <p:sp>
+          <p:nvSpPr>
+            <p:cNvPr id="17" name="Circular Arrow 16">
+              <a:extLst>
+                <a:ext uri="{FF2B5EF4-FFF2-40B4-BE49-F238E27FC236}">
+                  <a16:creationId xmlns:a16="http://schemas.microsoft.com/office/drawing/2014/main" id="{4BF0DD85-DB07-1145-8BF4-6952245BB638}"/>
+                </a:ext>
+              </a:extLst>
+            </p:cNvPr>
+            <p:cNvSpPr>
+              <a:spLocks noChangeAspect="1"/>
+            </p:cNvSpPr>
+            <p:nvPr/>
+          </p:nvSpPr>
+          <p:spPr>
+            <a:xfrm rot="5400000">
+              <a:off x="6471960" y="2433764"/>
+              <a:ext cx="720000" cy="757574"/>
+            </a:xfrm>
+            <a:prstGeom prst="circularArrow">
+              <a:avLst>
+                <a:gd name="adj1" fmla="val 12500"/>
+                <a:gd name="adj2" fmla="val 1142319"/>
+                <a:gd name="adj3" fmla="val 20457681"/>
+                <a:gd name="adj4" fmla="val 1792058"/>
+                <a:gd name="adj5" fmla="val 12500"/>
+              </a:avLst>
+            </a:prstGeom>
+          </p:spPr>
+          <p:style>
+            <a:lnRef idx="2">
+              <a:schemeClr val="dk1"/>
+            </a:lnRef>
+            <a:fillRef idx="1">
+              <a:schemeClr val="lt1"/>
+            </a:fillRef>
+            <a:effectRef idx="0">
+              <a:schemeClr val="dk1"/>
+            </a:effectRef>
+            <a:fontRef idx="minor">
+              <a:schemeClr val="dk1"/>
+            </a:fontRef>
+          </p:style>
+          <p:txBody>
+            <a:bodyPr rtlCol="0" anchor="ctr"/>
+            <a:lstStyle/>
+            <a:p>
+              <a:pPr algn="ctr"/>
+              <a:endParaRPr lang="en-GB">
+                <a:solidFill>
+                  <a:schemeClr val="tx1"/>
+                </a:solidFill>
+              </a:endParaRPr>
+            </a:p>
+          </p:txBody>
+        </p:sp>
+        <p:sp>
+          <p:nvSpPr>
+            <p:cNvPr id="18" name="Oval 17">
+              <a:extLst>
+                <a:ext uri="{FF2B5EF4-FFF2-40B4-BE49-F238E27FC236}">
+                  <a16:creationId xmlns:a16="http://schemas.microsoft.com/office/drawing/2014/main" id="{4551812A-6700-F343-96FA-43FC6F8858A2}"/>
+                </a:ext>
+              </a:extLst>
+            </p:cNvPr>
+            <p:cNvSpPr>
+              <a:spLocks noChangeAspect="1"/>
+            </p:cNvSpPr>
+            <p:nvPr/>
+          </p:nvSpPr>
+          <p:spPr>
+            <a:xfrm>
+              <a:off x="6651960" y="2632551"/>
+              <a:ext cx="360000" cy="360000"/>
+            </a:xfrm>
+            <a:prstGeom prst="ellipse">
+              <a:avLst/>
+            </a:prstGeom>
+          </p:spPr>
+          <p:style>
+            <a:lnRef idx="2">
+              <a:schemeClr val="dk1"/>
+            </a:lnRef>
+            <a:fillRef idx="1">
+              <a:schemeClr val="lt1"/>
+            </a:fillRef>
+            <a:effectRef idx="0">
+              <a:schemeClr val="dk1"/>
+            </a:effectRef>
+            <a:fontRef idx="minor">
+              <a:schemeClr val="dk1"/>
+            </a:fontRef>
+          </p:style>
+          <p:txBody>
+            <a:bodyPr rtlCol="0" anchor="ctr"/>
+            <a:lstStyle/>
+            <a:p>
+              <a:pPr algn="ctr"/>
+              <a:r>
+                <a:rPr lang="en-GB" dirty="0"/>
+                <a:t>4</a:t>
+              </a:r>
+            </a:p>
+          </p:txBody>
+        </p:sp>
+        <p:sp>
+          <p:nvSpPr>
+            <p:cNvPr id="19" name="Oval 18">
+              <a:extLst>
+                <a:ext uri="{FF2B5EF4-FFF2-40B4-BE49-F238E27FC236}">
+                  <a16:creationId xmlns:a16="http://schemas.microsoft.com/office/drawing/2014/main" id="{DEC1BEDB-9C5A-7144-80CF-DE67E11E33B3}"/>
+                </a:ext>
+              </a:extLst>
+            </p:cNvPr>
+            <p:cNvSpPr>
+              <a:spLocks noChangeAspect="1"/>
+            </p:cNvSpPr>
+            <p:nvPr/>
+          </p:nvSpPr>
+          <p:spPr>
+            <a:xfrm>
+              <a:off x="6212115" y="3592327"/>
+              <a:ext cx="360000" cy="360000"/>
+            </a:xfrm>
+            <a:prstGeom prst="ellipse">
+              <a:avLst/>
+            </a:prstGeom>
+          </p:spPr>
+          <p:style>
+            <a:lnRef idx="2">
+              <a:schemeClr val="dk1"/>
+            </a:lnRef>
+            <a:fillRef idx="1">
+              <a:schemeClr val="lt1"/>
+            </a:fillRef>
+            <a:effectRef idx="0">
+              <a:schemeClr val="dk1"/>
+            </a:effectRef>
+            <a:fontRef idx="minor">
+              <a:schemeClr val="dk1"/>
+            </a:fontRef>
+          </p:style>
+          <p:txBody>
+            <a:bodyPr rtlCol="0" anchor="ctr"/>
+            <a:lstStyle/>
+            <a:p>
+              <a:pPr algn="ctr"/>
+              <a:r>
+                <a:rPr lang="en-GB" dirty="0"/>
+                <a:t>5</a:t>
+              </a:r>
+            </a:p>
+          </p:txBody>
+        </p:sp>
+        <p:sp>
+          <p:nvSpPr>
+            <p:cNvPr id="20" name="Rectangle 19">
+              <a:extLst>
+                <a:ext uri="{FF2B5EF4-FFF2-40B4-BE49-F238E27FC236}">
+                  <a16:creationId xmlns:a16="http://schemas.microsoft.com/office/drawing/2014/main" id="{570756A5-0A25-3146-A051-FA4242388E36}"/>
+                </a:ext>
+              </a:extLst>
+            </p:cNvPr>
+            <p:cNvSpPr/>
+            <p:nvPr/>
+          </p:nvSpPr>
+          <p:spPr>
+            <a:xfrm>
+              <a:off x="5219272" y="5517222"/>
+              <a:ext cx="2147299" cy="205484"/>
+            </a:xfrm>
+            <a:prstGeom prst="rect">
+              <a:avLst/>
+            </a:prstGeom>
+            <a:noFill/>
+            <a:ln w="28575">
+              <a:solidFill>
+                <a:srgbClr val="FF0000"/>
+              </a:solidFill>
+            </a:ln>
+          </p:spPr>
+          <p:style>
+            <a:lnRef idx="2">
+              <a:schemeClr val="accent1"/>
+            </a:lnRef>
+            <a:fillRef idx="1">
+              <a:schemeClr val="lt1"/>
+            </a:fillRef>
+            <a:effectRef idx="0">
+              <a:schemeClr val="accent1"/>
+            </a:effectRef>
+            <a:fontRef idx="minor">
+              <a:schemeClr val="dk1"/>
+            </a:fontRef>
+          </p:style>
+          <p:txBody>
+            <a:bodyPr rtlCol="0" anchor="ctr"/>
+            <a:lstStyle/>
+            <a:p>
+              <a:pPr algn="ctr"/>
+              <a:endParaRPr lang="en-GB"/>
+            </a:p>
+          </p:txBody>
+        </p:sp>
+      </p:grpSp>
     </p:spTree>
     <p:extLst>
       <p:ext uri="{BB962C8B-B14F-4D97-AF65-F5344CB8AC3E}">
-        <p14:creationId xmlns:p14="http://schemas.microsoft.com/office/powerpoint/2010/main" val="2989354834"/>
+        <p14:creationId xmlns:p14="http://schemas.microsoft.com/office/powerpoint/2010/main" val="2494610487"/>
       </p:ext>
     </p:extLst>
   </p:cSld>
@@ -27699,6 +28416,77 @@
     <p:extLst>
       <p:ext uri="{BB962C8B-B14F-4D97-AF65-F5344CB8AC3E}">
         <p14:creationId xmlns:p14="http://schemas.microsoft.com/office/powerpoint/2010/main" val="602999851"/>
+      </p:ext>
+    </p:extLst>
+  </p:cSld>
+  <p:clrMapOvr>
+    <a:masterClrMapping/>
+  </p:clrMapOvr>
+</p:sld>
+</file>
+
+<file path=ppt/slides/slide20.xml><?xml version="1.0" encoding="utf-8"?>
+<p:sld xmlns:a="http://schemas.openxmlformats.org/drawingml/2006/main" xmlns:r="http://schemas.openxmlformats.org/officeDocument/2006/relationships" xmlns:p="http://schemas.openxmlformats.org/presentationml/2006/main">
+  <p:cSld>
+    <p:spTree>
+      <p:nvGrpSpPr>
+        <p:cNvPr id="1" name=""/>
+        <p:cNvGrpSpPr/>
+        <p:nvPr/>
+      </p:nvGrpSpPr>
+      <p:grpSpPr>
+        <a:xfrm>
+          <a:off x="0" y="0"/>
+          <a:ext cx="0" cy="0"/>
+          <a:chOff x="0" y="0"/>
+          <a:chExt cx="0" cy="0"/>
+        </a:xfrm>
+      </p:grpSpPr>
+      <p:sp>
+        <p:nvSpPr>
+          <p:cNvPr id="4" name="Title 3"/>
+          <p:cNvSpPr>
+            <a:spLocks noGrp="1"/>
+          </p:cNvSpPr>
+          <p:nvPr>
+            <p:ph type="ctrTitle"/>
+          </p:nvPr>
+        </p:nvSpPr>
+        <p:spPr/>
+        <p:txBody>
+          <a:bodyPr/>
+          <a:lstStyle/>
+          <a:p>
+            <a:r>
+              <a:rPr lang="en-GB" dirty="0"/>
+              <a:t>Thank you</a:t>
+            </a:r>
+          </a:p>
+        </p:txBody>
+      </p:sp>
+      <p:sp>
+        <p:nvSpPr>
+          <p:cNvPr id="2" name="Subtitle 1"/>
+          <p:cNvSpPr>
+            <a:spLocks noGrp="1"/>
+          </p:cNvSpPr>
+          <p:nvPr>
+            <p:ph type="subTitle" idx="1"/>
+          </p:nvPr>
+        </p:nvSpPr>
+        <p:spPr/>
+        <p:txBody>
+          <a:bodyPr/>
+          <a:lstStyle/>
+          <a:p>
+            <a:endParaRPr lang="en-GB"/>
+          </a:p>
+        </p:txBody>
+      </p:sp>
+    </p:spTree>
+    <p:extLst>
+      <p:ext uri="{BB962C8B-B14F-4D97-AF65-F5344CB8AC3E}">
+        <p14:creationId xmlns:p14="http://schemas.microsoft.com/office/powerpoint/2010/main" val="2989354834"/>
       </p:ext>
     </p:extLst>
   </p:cSld>

--- a/artefacts/CNTT_diagrams.pptx
+++ b/artefacts/CNTT_diagrams.pptx
@@ -217,7 +217,7 @@
           <a:p>
             <a:fld id="{F300692A-B8F2-48F6-B218-A4958D7E8758}" type="datetimeFigureOut">
               <a:rPr lang="en-US" smtClean="0"/>
-              <a:t>9/16/19</a:t>
+              <a:t>9/17/19</a:t>
             </a:fld>
             <a:endParaRPr lang="en-US"/>
           </a:p>
@@ -927,7 +927,7 @@
           <a:p>
             <a:fld id="{2B25DCB4-1894-45C1-AC80-BB1CC7AB7AF3}" type="datetimeFigureOut">
               <a:rPr lang="en-GB" smtClean="0"/>
-              <a:t>16/09/2019</a:t>
+              <a:t>17/09/2019</a:t>
             </a:fld>
             <a:endParaRPr lang="en-GB"/>
           </a:p>
@@ -1363,7 +1363,7 @@
           <a:p>
             <a:fld id="{2B25DCB4-1894-45C1-AC80-BB1CC7AB7AF3}" type="datetimeFigureOut">
               <a:rPr lang="en-GB" smtClean="0"/>
-              <a:t>16/09/2019</a:t>
+              <a:t>17/09/2019</a:t>
             </a:fld>
             <a:endParaRPr lang="en-GB"/>
           </a:p>
@@ -1613,7 +1613,7 @@
           <a:p>
             <a:fld id="{2B25DCB4-1894-45C1-AC80-BB1CC7AB7AF3}" type="datetimeFigureOut">
               <a:rPr lang="en-GB" smtClean="0"/>
-              <a:t>16/09/2019</a:t>
+              <a:t>17/09/2019</a:t>
             </a:fld>
             <a:endParaRPr lang="en-GB"/>
           </a:p>
@@ -1921,7 +1921,7 @@
           <a:p>
             <a:fld id="{2B25DCB4-1894-45C1-AC80-BB1CC7AB7AF3}" type="datetimeFigureOut">
               <a:rPr lang="en-GB" smtClean="0"/>
-              <a:t>16/09/2019</a:t>
+              <a:t>17/09/2019</a:t>
             </a:fld>
             <a:endParaRPr lang="en-GB"/>
           </a:p>
@@ -2239,7 +2239,7 @@
           <a:p>
             <a:fld id="{2B25DCB4-1894-45C1-AC80-BB1CC7AB7AF3}" type="datetimeFigureOut">
               <a:rPr lang="en-GB" smtClean="0"/>
-              <a:t>16/09/2019</a:t>
+              <a:t>17/09/2019</a:t>
             </a:fld>
             <a:endParaRPr lang="en-GB"/>
           </a:p>
@@ -2541,7 +2541,7 @@
           <a:p>
             <a:fld id="{2B25DCB4-1894-45C1-AC80-BB1CC7AB7AF3}" type="datetimeFigureOut">
               <a:rPr lang="en-GB" smtClean="0"/>
-              <a:t>16/09/2019</a:t>
+              <a:t>17/09/2019</a:t>
             </a:fld>
             <a:endParaRPr lang="en-GB"/>
           </a:p>
@@ -2908,7 +2908,7 @@
           <a:p>
             <a:fld id="{2B25DCB4-1894-45C1-AC80-BB1CC7AB7AF3}" type="datetimeFigureOut">
               <a:rPr lang="en-GB" smtClean="0"/>
-              <a:t>16/09/2019</a:t>
+              <a:t>17/09/2019</a:t>
             </a:fld>
             <a:endParaRPr lang="en-GB"/>
           </a:p>
@@ -3082,7 +3082,7 @@
           <a:p>
             <a:fld id="{2B25DCB4-1894-45C1-AC80-BB1CC7AB7AF3}" type="datetimeFigureOut">
               <a:rPr lang="en-GB" smtClean="0"/>
-              <a:t>16/09/2019</a:t>
+              <a:t>17/09/2019</a:t>
             </a:fld>
             <a:endParaRPr lang="en-GB"/>
           </a:p>
@@ -3262,7 +3262,7 @@
           <a:p>
             <a:fld id="{2B25DCB4-1894-45C1-AC80-BB1CC7AB7AF3}" type="datetimeFigureOut">
               <a:rPr lang="en-GB" smtClean="0"/>
-              <a:t>16/09/2019</a:t>
+              <a:t>17/09/2019</a:t>
             </a:fld>
             <a:endParaRPr lang="en-GB"/>
           </a:p>
@@ -3454,7 +3454,7 @@
           <a:p>
             <a:fld id="{432668E7-1494-4367-8917-840B541A68C2}" type="datetimeFigureOut">
               <a:rPr lang="en-GB" smtClean="0"/>
-              <a:t>16/09/2019</a:t>
+              <a:t>17/09/2019</a:t>
             </a:fld>
             <a:endParaRPr lang="en-GB"/>
           </a:p>
@@ -3624,7 +3624,7 @@
           <a:p>
             <a:fld id="{432668E7-1494-4367-8917-840B541A68C2}" type="datetimeFigureOut">
               <a:rPr lang="en-GB" smtClean="0"/>
-              <a:t>16/09/2019</a:t>
+              <a:t>17/09/2019</a:t>
             </a:fld>
             <a:endParaRPr lang="en-GB"/>
           </a:p>
@@ -3794,7 +3794,7 @@
           <a:p>
             <a:fld id="{2B25DCB4-1894-45C1-AC80-BB1CC7AB7AF3}" type="datetimeFigureOut">
               <a:rPr lang="en-GB" smtClean="0"/>
-              <a:t>16/09/2019</a:t>
+              <a:t>17/09/2019</a:t>
             </a:fld>
             <a:endParaRPr lang="en-GB"/>
           </a:p>
@@ -4040,7 +4040,7 @@
           <a:p>
             <a:fld id="{432668E7-1494-4367-8917-840B541A68C2}" type="datetimeFigureOut">
               <a:rPr lang="en-GB" smtClean="0"/>
-              <a:t>16/09/2019</a:t>
+              <a:t>17/09/2019</a:t>
             </a:fld>
             <a:endParaRPr lang="en-GB"/>
           </a:p>
@@ -4272,7 +4272,7 @@
           <a:p>
             <a:fld id="{432668E7-1494-4367-8917-840B541A68C2}" type="datetimeFigureOut">
               <a:rPr lang="en-GB" smtClean="0"/>
-              <a:t>16/09/2019</a:t>
+              <a:t>17/09/2019</a:t>
             </a:fld>
             <a:endParaRPr lang="en-GB"/>
           </a:p>
@@ -4639,7 +4639,7 @@
           <a:p>
             <a:fld id="{432668E7-1494-4367-8917-840B541A68C2}" type="datetimeFigureOut">
               <a:rPr lang="en-GB" smtClean="0"/>
-              <a:t>16/09/2019</a:t>
+              <a:t>17/09/2019</a:t>
             </a:fld>
             <a:endParaRPr lang="en-GB"/>
           </a:p>
@@ -4757,7 +4757,7 @@
           <a:p>
             <a:fld id="{432668E7-1494-4367-8917-840B541A68C2}" type="datetimeFigureOut">
               <a:rPr lang="en-GB" smtClean="0"/>
-              <a:t>16/09/2019</a:t>
+              <a:t>17/09/2019</a:t>
             </a:fld>
             <a:endParaRPr lang="en-GB"/>
           </a:p>
@@ -4852,7 +4852,7 @@
           <a:p>
             <a:fld id="{432668E7-1494-4367-8917-840B541A68C2}" type="datetimeFigureOut">
               <a:rPr lang="en-GB" smtClean="0"/>
-              <a:t>16/09/2019</a:t>
+              <a:t>17/09/2019</a:t>
             </a:fld>
             <a:endParaRPr lang="en-GB"/>
           </a:p>
@@ -5129,7 +5129,7 @@
           <a:p>
             <a:fld id="{432668E7-1494-4367-8917-840B541A68C2}" type="datetimeFigureOut">
               <a:rPr lang="en-GB" smtClean="0"/>
-              <a:t>16/09/2019</a:t>
+              <a:t>17/09/2019</a:t>
             </a:fld>
             <a:endParaRPr lang="en-GB"/>
           </a:p>
@@ -5382,7 +5382,7 @@
           <a:p>
             <a:fld id="{432668E7-1494-4367-8917-840B541A68C2}" type="datetimeFigureOut">
               <a:rPr lang="en-GB" smtClean="0"/>
-              <a:t>16/09/2019</a:t>
+              <a:t>17/09/2019</a:t>
             </a:fld>
             <a:endParaRPr lang="en-GB"/>
           </a:p>
@@ -5552,7 +5552,7 @@
           <a:p>
             <a:fld id="{432668E7-1494-4367-8917-840B541A68C2}" type="datetimeFigureOut">
               <a:rPr lang="en-GB" smtClean="0"/>
-              <a:t>16/09/2019</a:t>
+              <a:t>17/09/2019</a:t>
             </a:fld>
             <a:endParaRPr lang="en-GB"/>
           </a:p>
@@ -5732,7 +5732,7 @@
           <a:p>
             <a:fld id="{432668E7-1494-4367-8917-840B541A68C2}" type="datetimeFigureOut">
               <a:rPr lang="en-GB" smtClean="0"/>
-              <a:t>16/09/2019</a:t>
+              <a:t>17/09/2019</a:t>
             </a:fld>
             <a:endParaRPr lang="en-GB"/>
           </a:p>
@@ -5855,7 +5855,7 @@
           <a:p>
             <a:fld id="{AD47607F-D0CB-4AC6-9566-046428C59115}" type="datetime3">
               <a:rPr lang="en-US" smtClean="0"/>
-              <a:t>16 September 2019</a:t>
+              <a:t>17 September 2019</a:t>
             </a:fld>
             <a:endParaRPr lang="en-GB" dirty="0"/>
           </a:p>
@@ -6178,7 +6178,7 @@
           <a:p>
             <a:fld id="{2B25DCB4-1894-45C1-AC80-BB1CC7AB7AF3}" type="datetimeFigureOut">
               <a:rPr lang="en-GB" smtClean="0"/>
-              <a:t>16/09/2019</a:t>
+              <a:t>17/09/2019</a:t>
             </a:fld>
             <a:endParaRPr lang="en-GB"/>
           </a:p>
@@ -6681,7 +6681,7 @@
           <a:p>
             <a:fld id="{2B25DCB4-1894-45C1-AC80-BB1CC7AB7AF3}" type="datetimeFigureOut">
               <a:rPr lang="en-GB" smtClean="0"/>
-              <a:t>16/09/2019</a:t>
+              <a:t>17/09/2019</a:t>
             </a:fld>
             <a:endParaRPr lang="en-GB"/>
           </a:p>
@@ -7063,7 +7063,7 @@
           <a:p>
             <a:fld id="{2B25DCB4-1894-45C1-AC80-BB1CC7AB7AF3}" type="datetimeFigureOut">
               <a:rPr lang="en-GB" smtClean="0"/>
-              <a:t>16/09/2019</a:t>
+              <a:t>17/09/2019</a:t>
             </a:fld>
             <a:endParaRPr lang="en-GB"/>
           </a:p>
@@ -7181,7 +7181,7 @@
           <a:p>
             <a:fld id="{2B25DCB4-1894-45C1-AC80-BB1CC7AB7AF3}" type="datetimeFigureOut">
               <a:rPr lang="en-GB" smtClean="0"/>
-              <a:t>16/09/2019</a:t>
+              <a:t>17/09/2019</a:t>
             </a:fld>
             <a:endParaRPr lang="en-GB"/>
           </a:p>
@@ -7276,7 +7276,7 @@
           <a:p>
             <a:fld id="{2B25DCB4-1894-45C1-AC80-BB1CC7AB7AF3}" type="datetimeFigureOut">
               <a:rPr lang="en-GB" smtClean="0"/>
-              <a:t>16/09/2019</a:t>
+              <a:t>17/09/2019</a:t>
             </a:fld>
             <a:endParaRPr lang="en-GB"/>
           </a:p>
@@ -7531,7 +7531,7 @@
           <a:p>
             <a:fld id="{2B25DCB4-1894-45C1-AC80-BB1CC7AB7AF3}" type="datetimeFigureOut">
               <a:rPr lang="en-GB" smtClean="0"/>
-              <a:t>16/09/2019</a:t>
+              <a:t>17/09/2019</a:t>
             </a:fld>
             <a:endParaRPr lang="en-GB"/>
           </a:p>
@@ -7814,7 +7814,7 @@
           <a:p>
             <a:fld id="{2B25DCB4-1894-45C1-AC80-BB1CC7AB7AF3}" type="datetimeFigureOut">
               <a:rPr lang="en-GB" smtClean="0"/>
-              <a:t>16/09/2019</a:t>
+              <a:t>17/09/2019</a:t>
             </a:fld>
             <a:endParaRPr lang="en-GB"/>
           </a:p>
@@ -8220,7 +8220,7 @@
           <a:p>
             <a:fld id="{2B25DCB4-1894-45C1-AC80-BB1CC7AB7AF3}" type="datetimeFigureOut">
               <a:rPr lang="en-GB" smtClean="0"/>
-              <a:t>16/09/2019</a:t>
+              <a:t>17/09/2019</a:t>
             </a:fld>
             <a:endParaRPr lang="en-GB"/>
           </a:p>
@@ -8890,7 +8890,7 @@
           <a:p>
             <a:fld id="{432668E7-1494-4367-8917-840B541A68C2}" type="datetimeFigureOut">
               <a:rPr lang="en-GB" smtClean="0"/>
-              <a:t>16/09/2019</a:t>
+              <a:t>17/09/2019</a:t>
             </a:fld>
             <a:endParaRPr lang="en-GB"/>
           </a:p>
@@ -25680,8 +25680,8 @@
         </p:nvGrpSpPr>
         <p:grpSpPr>
           <a:xfrm>
-            <a:off x="0" y="0"/>
-            <a:ext cx="12153616" cy="6858000"/>
+            <a:off x="419760" y="226031"/>
+            <a:ext cx="11352479" cy="6405937"/>
             <a:chOff x="1263720" y="1262009"/>
             <a:chExt cx="9337497" cy="5268930"/>
           </a:xfrm>
